--- a/final_project/presentation.pptx
+++ b/final_project/presentation.pptx
@@ -5,7 +5,7 @@
     <p:sldMasterId id="2147483689" r:id="rId1"/>
   </p:sldMasterIdLst>
   <p:notesMasterIdLst>
-    <p:notesMasterId r:id="rId12"/>
+    <p:notesMasterId r:id="rId13"/>
   </p:notesMasterIdLst>
   <p:sldIdLst>
     <p:sldId id="256" r:id="rId2"/>
@@ -14,10 +14,11 @@
     <p:sldId id="262" r:id="rId5"/>
     <p:sldId id="263" r:id="rId6"/>
     <p:sldId id="265" r:id="rId7"/>
-    <p:sldId id="267" r:id="rId8"/>
-    <p:sldId id="264" r:id="rId9"/>
-    <p:sldId id="266" r:id="rId10"/>
-    <p:sldId id="268" r:id="rId11"/>
+    <p:sldId id="269" r:id="rId8"/>
+    <p:sldId id="267" r:id="rId9"/>
+    <p:sldId id="264" r:id="rId10"/>
+    <p:sldId id="266" r:id="rId11"/>
+    <p:sldId id="268" r:id="rId12"/>
   </p:sldIdLst>
   <p:sldSz cx="12192000" cy="6858000"/>
   <p:notesSz cx="6858000" cy="9144000"/>
@@ -4544,6 +4545,183 @@
           <a:p>
             <a:r>
               <a:rPr lang="en-US" dirty="0"/>
+              <a:t>Results</a:t>
+            </a:r>
+          </a:p>
+        </p:txBody>
+      </p:sp>
+      <p:sp>
+        <p:nvSpPr>
+          <p:cNvPr id="3" name="Content Placeholder 2">
+            <a:extLst>
+              <a:ext uri="{FF2B5EF4-FFF2-40B4-BE49-F238E27FC236}">
+                <a16:creationId xmlns:a16="http://schemas.microsoft.com/office/drawing/2014/main" id="{D3D4E27B-25AC-6EE2-A177-BD33522394C3}"/>
+              </a:ext>
+            </a:extLst>
+          </p:cNvPr>
+          <p:cNvSpPr>
+            <a:spLocks noGrp="1"/>
+          </p:cNvSpPr>
+          <p:nvPr>
+            <p:ph idx="1"/>
+          </p:nvPr>
+        </p:nvSpPr>
+        <p:spPr>
+          <a:xfrm>
+            <a:off x="1097280" y="1845734"/>
+            <a:ext cx="4004963" cy="4585888"/>
+          </a:xfrm>
+        </p:spPr>
+        <p:txBody>
+          <a:bodyPr>
+            <a:normAutofit lnSpcReduction="10000"/>
+          </a:bodyPr>
+          <a:lstStyle/>
+          <a:p>
+            <a:pPr>
+              <a:buFont typeface="Wingdings" panose="05000000000000000000" pitchFamily="2" charset="2"/>
+              <a:buChar char="§"/>
+            </a:pPr>
+            <a:r>
+              <a:rPr lang="en-US" sz="2400" dirty="0"/>
+              <a:t> Iterative implementation device utilization doesn’t increase much with N</a:t>
+            </a:r>
+          </a:p>
+          <a:p>
+            <a:pPr lvl="1">
+              <a:buFont typeface="Wingdings" panose="05000000000000000000" pitchFamily="2" charset="2"/>
+              <a:buChar char="§"/>
+            </a:pPr>
+            <a:r>
+              <a:rPr lang="en-US" sz="2200" dirty="0"/>
+              <a:t>Will require N clock cycles to compute though</a:t>
+            </a:r>
+          </a:p>
+          <a:p>
+            <a:pPr lvl="1">
+              <a:buFont typeface="Wingdings" panose="05000000000000000000" pitchFamily="2" charset="2"/>
+              <a:buChar char="§"/>
+            </a:pPr>
+            <a:r>
+              <a:rPr lang="en-US" sz="2200" dirty="0"/>
+              <a:t>Good for high accuracy, low speed</a:t>
+            </a:r>
+          </a:p>
+          <a:p>
+            <a:pPr>
+              <a:buFont typeface="Wingdings" panose="05000000000000000000" pitchFamily="2" charset="2"/>
+              <a:buChar char="§"/>
+            </a:pPr>
+            <a:r>
+              <a:rPr lang="en-US" sz="2400" dirty="0"/>
+              <a:t> Pipelined device utilization increases with N</a:t>
+            </a:r>
+          </a:p>
+          <a:p>
+            <a:pPr lvl="1">
+              <a:buFont typeface="Wingdings" panose="05000000000000000000" pitchFamily="2" charset="2"/>
+              <a:buChar char="§"/>
+            </a:pPr>
+            <a:r>
+              <a:rPr lang="en-US" sz="2200" dirty="0"/>
+              <a:t>Need to add hardware for each new pipeline stage</a:t>
+            </a:r>
+          </a:p>
+          <a:p>
+            <a:pPr lvl="1">
+              <a:buFont typeface="Wingdings" panose="05000000000000000000" pitchFamily="2" charset="2"/>
+              <a:buChar char="§"/>
+            </a:pPr>
+            <a:r>
+              <a:rPr lang="en-US" sz="2200" dirty="0"/>
+              <a:t>Good for high speed, high accuracy</a:t>
+            </a:r>
+          </a:p>
+        </p:txBody>
+      </p:sp>
+      <p:pic>
+        <p:nvPicPr>
+          <p:cNvPr id="5" name="Picture 4">
+            <a:extLst>
+              <a:ext uri="{FF2B5EF4-FFF2-40B4-BE49-F238E27FC236}">
+                <a16:creationId xmlns:a16="http://schemas.microsoft.com/office/drawing/2014/main" id="{ADF2D50B-E4F0-CFB4-F97D-0445A33511A6}"/>
+              </a:ext>
+            </a:extLst>
+          </p:cNvPr>
+          <p:cNvPicPr>
+            <a:picLocks noChangeAspect="1"/>
+          </p:cNvPicPr>
+          <p:nvPr/>
+        </p:nvPicPr>
+        <p:blipFill>
+          <a:blip r:embed="rId2"/>
+          <a:stretch>
+            <a:fillRect/>
+          </a:stretch>
+        </p:blipFill>
+        <p:spPr>
+          <a:xfrm>
+            <a:off x="5102243" y="1981819"/>
+            <a:ext cx="6423466" cy="3751190"/>
+          </a:xfrm>
+          <a:prstGeom prst="rect">
+            <a:avLst/>
+          </a:prstGeom>
+        </p:spPr>
+      </p:pic>
+    </p:spTree>
+    <p:extLst>
+      <p:ext uri="{BB962C8B-B14F-4D97-AF65-F5344CB8AC3E}">
+        <p14:creationId xmlns:p14="http://schemas.microsoft.com/office/powerpoint/2010/main" val="2483687155"/>
+      </p:ext>
+    </p:extLst>
+  </p:cSld>
+  <p:clrMapOvr>
+    <a:masterClrMapping/>
+  </p:clrMapOvr>
+</p:sld>
+</file>
+
+<file path=ppt/slides/slide11.xml><?xml version="1.0" encoding="utf-8"?>
+<p:sld xmlns:a="http://schemas.openxmlformats.org/drawingml/2006/main" xmlns:r="http://schemas.openxmlformats.org/officeDocument/2006/relationships" xmlns:p="http://schemas.openxmlformats.org/presentationml/2006/main">
+  <p:cSld>
+    <p:spTree>
+      <p:nvGrpSpPr>
+        <p:cNvPr id="1" name=""/>
+        <p:cNvGrpSpPr/>
+        <p:nvPr/>
+      </p:nvGrpSpPr>
+      <p:grpSpPr>
+        <a:xfrm>
+          <a:off x="0" y="0"/>
+          <a:ext cx="0" cy="0"/>
+          <a:chOff x="0" y="0"/>
+          <a:chExt cx="0" cy="0"/>
+        </a:xfrm>
+      </p:grpSpPr>
+      <p:sp>
+        <p:nvSpPr>
+          <p:cNvPr id="2" name="Title 1">
+            <a:extLst>
+              <a:ext uri="{FF2B5EF4-FFF2-40B4-BE49-F238E27FC236}">
+                <a16:creationId xmlns:a16="http://schemas.microsoft.com/office/drawing/2014/main" id="{8776404D-D886-9E09-A984-FFEE15175DEE}"/>
+              </a:ext>
+            </a:extLst>
+          </p:cNvPr>
+          <p:cNvSpPr>
+            <a:spLocks noGrp="1"/>
+          </p:cNvSpPr>
+          <p:nvPr>
+            <p:ph type="title"/>
+          </p:nvPr>
+        </p:nvSpPr>
+        <p:spPr/>
+        <p:txBody>
+          <a:bodyPr/>
+          <a:lstStyle/>
+          <a:p>
+            <a:r>
+              <a:rPr lang="en-US" dirty="0"/>
               <a:t>Conclusion</a:t>
             </a:r>
           </a:p>
@@ -4852,8 +5030,8 @@
           </a:p>
         </p:txBody>
       </p:sp>
-      <mc:AlternateContent xmlns:mc="http://schemas.openxmlformats.org/markup-compatibility/2006">
-        <mc:Choice xmlns:a14="http://schemas.microsoft.com/office/drawing/2010/main" Requires="a14">
+      <mc:AlternateContent xmlns:mc="http://schemas.openxmlformats.org/markup-compatibility/2006" xmlns:a14="http://schemas.microsoft.com/office/drawing/2010/main">
+        <mc:Choice Requires="a14">
           <p:sp>
             <p:nvSpPr>
               <p:cNvPr id="3" name="Content Placeholder 2">
@@ -5112,7 +5290,7 @@
                           <a:latin typeface="Cambria Math" panose="02040503050406030204" pitchFamily="18" charset="0"/>
                           <a:ea typeface="Cambria Math" panose="02040503050406030204" pitchFamily="18" charset="0"/>
                         </a:rPr>
-                        <m:t> - </m:t>
+                        <m:t> − </m:t>
                       </m:r>
                       <m:r>
                         <m:rPr>
@@ -5306,23 +5484,7 @@
                           <a:latin typeface="Cambria Math" panose="02040503050406030204" pitchFamily="18" charset="0"/>
                           <a:ea typeface="Cambria Math" panose="02040503050406030204" pitchFamily="18" charset="0"/>
                         </a:rPr>
-                        <m:t> </m:t>
-                      </m:r>
-                      <m:r>
-                        <m:rPr>
-                          <m:nor/>
-                        </m:rPr>
-                        <a:rPr lang="en-US" sz="2400" b="0" i="0" dirty="0" smtClean="0">
-                          <a:solidFill>
-                            <a:srgbClr val="1F1F1F"/>
-                          </a:solidFill>
-                          <a:highlight>
-                            <a:srgbClr val="FFFFFF"/>
-                          </a:highlight>
-                          <a:latin typeface="Cambria Math" panose="02040503050406030204" pitchFamily="18" charset="0"/>
-                          <a:ea typeface="Cambria Math" panose="02040503050406030204" pitchFamily="18" charset="0"/>
-                        </a:rPr>
-                        <m:t>+ </m:t>
+                        <m:t> + </m:t>
                       </m:r>
                       <m:r>
                         <m:rPr>
@@ -5581,7 +5743,7 @@
             </p:txBody>
           </p:sp>
         </mc:Choice>
-        <mc:Fallback>
+        <mc:Fallback xmlns="">
           <p:sp>
             <p:nvSpPr>
               <p:cNvPr id="3" name="Content Placeholder 2">
@@ -5756,8 +5918,8 @@
           </a:p>
         </p:txBody>
       </p:sp>
-      <mc:AlternateContent xmlns:mc="http://schemas.openxmlformats.org/markup-compatibility/2006">
-        <mc:Choice xmlns:a14="http://schemas.microsoft.com/office/drawing/2010/main" Requires="a14">
+      <mc:AlternateContent xmlns:mc="http://schemas.openxmlformats.org/markup-compatibility/2006" xmlns:a14="http://schemas.microsoft.com/office/drawing/2010/main">
+        <mc:Choice Requires="a14">
           <p:sp>
             <p:nvSpPr>
               <p:cNvPr id="3" name="Content Placeholder 2">
@@ -5977,7 +6139,7 @@
             </p:txBody>
           </p:sp>
         </mc:Choice>
-        <mc:Fallback>
+        <mc:Fallback xmlns="">
           <p:sp>
             <p:nvSpPr>
               <p:cNvPr id="3" name="Content Placeholder 2">
@@ -6262,7 +6424,7 @@
         <p:spPr>
           <a:xfrm>
             <a:off x="1097280" y="1845734"/>
-            <a:ext cx="5258041" cy="4023360"/>
+            <a:ext cx="10563889" cy="4023360"/>
           </a:xfrm>
         </p:spPr>
         <p:txBody>
@@ -6317,7 +6479,114 @@
             </a:pPr>
             <a:r>
               <a:rPr lang="en-US" sz="2400" dirty="0"/>
-              <a:t> Bit serial (right)</a:t>
+              <a:t> Compute more than 1 iteration per pipeline stage</a:t>
+            </a:r>
+          </a:p>
+          <a:p>
+            <a:pPr lvl="1">
+              <a:buFont typeface="Courier New" panose="02070309020205020404" pitchFamily="49" charset="0"/>
+              <a:buChar char="o"/>
+            </a:pPr>
+            <a:r>
+              <a:rPr lang="en-US" sz="2200" dirty="0"/>
+              <a:t> Computation depends on the previous iteration, so computing more than 1 iteration in a clock cycle will increase the critical path</a:t>
+            </a:r>
+          </a:p>
+        </p:txBody>
+      </p:sp>
+    </p:spTree>
+    <p:extLst>
+      <p:ext uri="{BB962C8B-B14F-4D97-AF65-F5344CB8AC3E}">
+        <p14:creationId xmlns:p14="http://schemas.microsoft.com/office/powerpoint/2010/main" val="2734370986"/>
+      </p:ext>
+    </p:extLst>
+  </p:cSld>
+  <p:clrMapOvr>
+    <a:masterClrMapping/>
+  </p:clrMapOvr>
+</p:sld>
+</file>
+
+<file path=ppt/slides/slide7.xml><?xml version="1.0" encoding="utf-8"?>
+<p:sld xmlns:a="http://schemas.openxmlformats.org/drawingml/2006/main" xmlns:r="http://schemas.openxmlformats.org/officeDocument/2006/relationships" xmlns:p="http://schemas.openxmlformats.org/presentationml/2006/main">
+  <p:cSld>
+    <p:spTree>
+      <p:nvGrpSpPr>
+        <p:cNvPr id="1" name=""/>
+        <p:cNvGrpSpPr/>
+        <p:nvPr/>
+      </p:nvGrpSpPr>
+      <p:grpSpPr>
+        <a:xfrm>
+          <a:off x="0" y="0"/>
+          <a:ext cx="0" cy="0"/>
+          <a:chOff x="0" y="0"/>
+          <a:chExt cx="0" cy="0"/>
+        </a:xfrm>
+      </p:grpSpPr>
+      <p:sp>
+        <p:nvSpPr>
+          <p:cNvPr id="2" name="Title 1">
+            <a:extLst>
+              <a:ext uri="{FF2B5EF4-FFF2-40B4-BE49-F238E27FC236}">
+                <a16:creationId xmlns:a16="http://schemas.microsoft.com/office/drawing/2014/main" id="{8776404D-D886-9E09-A984-FFEE15175DEE}"/>
+              </a:ext>
+            </a:extLst>
+          </p:cNvPr>
+          <p:cNvSpPr>
+            <a:spLocks noGrp="1"/>
+          </p:cNvSpPr>
+          <p:nvPr>
+            <p:ph type="title"/>
+          </p:nvPr>
+        </p:nvSpPr>
+        <p:spPr/>
+        <p:txBody>
+          <a:bodyPr/>
+          <a:lstStyle/>
+          <a:p>
+            <a:r>
+              <a:rPr lang="en-US" dirty="0"/>
+              <a:t>Implementations</a:t>
+            </a:r>
+          </a:p>
+        </p:txBody>
+      </p:sp>
+      <p:sp>
+        <p:nvSpPr>
+          <p:cNvPr id="3" name="Content Placeholder 2">
+            <a:extLst>
+              <a:ext uri="{FF2B5EF4-FFF2-40B4-BE49-F238E27FC236}">
+                <a16:creationId xmlns:a16="http://schemas.microsoft.com/office/drawing/2014/main" id="{D3D4E27B-25AC-6EE2-A177-BD33522394C3}"/>
+              </a:ext>
+            </a:extLst>
+          </p:cNvPr>
+          <p:cNvSpPr>
+            <a:spLocks noGrp="1"/>
+          </p:cNvSpPr>
+          <p:nvPr>
+            <p:ph idx="1"/>
+          </p:nvPr>
+        </p:nvSpPr>
+        <p:spPr>
+          <a:xfrm>
+            <a:off x="1097280" y="1845734"/>
+            <a:ext cx="5258041" cy="4023360"/>
+          </a:xfrm>
+        </p:spPr>
+        <p:txBody>
+          <a:bodyPr>
+            <a:normAutofit/>
+          </a:bodyPr>
+          <a:lstStyle/>
+          <a:p>
+            <a:pPr>
+              <a:buFont typeface="Wingdings" panose="05000000000000000000" pitchFamily="2" charset="2"/>
+              <a:buChar char="§"/>
+            </a:pPr>
+            <a:r>
+              <a:rPr lang="en-US" sz="2400" dirty="0"/>
+              <a:t> Bit serial </a:t>
             </a:r>
           </a:p>
           <a:p>
@@ -6381,7 +6650,7 @@
     </p:spTree>
     <p:extLst>
       <p:ext uri="{BB962C8B-B14F-4D97-AF65-F5344CB8AC3E}">
-        <p14:creationId xmlns:p14="http://schemas.microsoft.com/office/powerpoint/2010/main" val="2734370986"/>
+        <p14:creationId xmlns:p14="http://schemas.microsoft.com/office/powerpoint/2010/main" val="2738330145"/>
       </p:ext>
     </p:extLst>
   </p:cSld>
@@ -6391,7 +6660,7 @@
 </p:sld>
 </file>
 
-<file path=ppt/slides/slide7.xml><?xml version="1.0" encoding="utf-8"?>
+<file path=ppt/slides/slide8.xml><?xml version="1.0" encoding="utf-8"?>
 <p:sld xmlns:a="http://schemas.openxmlformats.org/drawingml/2006/main" xmlns:r="http://schemas.openxmlformats.org/officeDocument/2006/relationships" xmlns:p="http://schemas.openxmlformats.org/presentationml/2006/main">
   <p:cSld>
     <p:spTree>
@@ -6595,7 +6864,7 @@
 </p:sld>
 </file>
 
-<file path=ppt/slides/slide8.xml><?xml version="1.0" encoding="utf-8"?>
+<file path=ppt/slides/slide9.xml><?xml version="1.0" encoding="utf-8"?>
 <p:sld xmlns:a="http://schemas.openxmlformats.org/drawingml/2006/main" xmlns:r="http://schemas.openxmlformats.org/officeDocument/2006/relationships" xmlns:p="http://schemas.openxmlformats.org/presentationml/2006/main">
   <p:cSld>
     <p:spTree>
@@ -6737,183 +7006,6 @@
     <p:extLst>
       <p:ext uri="{BB962C8B-B14F-4D97-AF65-F5344CB8AC3E}">
         <p14:creationId xmlns:p14="http://schemas.microsoft.com/office/powerpoint/2010/main" val="1568174438"/>
-      </p:ext>
-    </p:extLst>
-  </p:cSld>
-  <p:clrMapOvr>
-    <a:masterClrMapping/>
-  </p:clrMapOvr>
-</p:sld>
-</file>
-
-<file path=ppt/slides/slide9.xml><?xml version="1.0" encoding="utf-8"?>
-<p:sld xmlns:a="http://schemas.openxmlformats.org/drawingml/2006/main" xmlns:r="http://schemas.openxmlformats.org/officeDocument/2006/relationships" xmlns:p="http://schemas.openxmlformats.org/presentationml/2006/main">
-  <p:cSld>
-    <p:spTree>
-      <p:nvGrpSpPr>
-        <p:cNvPr id="1" name=""/>
-        <p:cNvGrpSpPr/>
-        <p:nvPr/>
-      </p:nvGrpSpPr>
-      <p:grpSpPr>
-        <a:xfrm>
-          <a:off x="0" y="0"/>
-          <a:ext cx="0" cy="0"/>
-          <a:chOff x="0" y="0"/>
-          <a:chExt cx="0" cy="0"/>
-        </a:xfrm>
-      </p:grpSpPr>
-      <p:sp>
-        <p:nvSpPr>
-          <p:cNvPr id="2" name="Title 1">
-            <a:extLst>
-              <a:ext uri="{FF2B5EF4-FFF2-40B4-BE49-F238E27FC236}">
-                <a16:creationId xmlns:a16="http://schemas.microsoft.com/office/drawing/2014/main" id="{8776404D-D886-9E09-A984-FFEE15175DEE}"/>
-              </a:ext>
-            </a:extLst>
-          </p:cNvPr>
-          <p:cNvSpPr>
-            <a:spLocks noGrp="1"/>
-          </p:cNvSpPr>
-          <p:nvPr>
-            <p:ph type="title"/>
-          </p:nvPr>
-        </p:nvSpPr>
-        <p:spPr/>
-        <p:txBody>
-          <a:bodyPr/>
-          <a:lstStyle/>
-          <a:p>
-            <a:r>
-              <a:rPr lang="en-US" dirty="0"/>
-              <a:t>Results</a:t>
-            </a:r>
-          </a:p>
-        </p:txBody>
-      </p:sp>
-      <p:sp>
-        <p:nvSpPr>
-          <p:cNvPr id="3" name="Content Placeholder 2">
-            <a:extLst>
-              <a:ext uri="{FF2B5EF4-FFF2-40B4-BE49-F238E27FC236}">
-                <a16:creationId xmlns:a16="http://schemas.microsoft.com/office/drawing/2014/main" id="{D3D4E27B-25AC-6EE2-A177-BD33522394C3}"/>
-              </a:ext>
-            </a:extLst>
-          </p:cNvPr>
-          <p:cNvSpPr>
-            <a:spLocks noGrp="1"/>
-          </p:cNvSpPr>
-          <p:nvPr>
-            <p:ph idx="1"/>
-          </p:nvPr>
-        </p:nvSpPr>
-        <p:spPr>
-          <a:xfrm>
-            <a:off x="1097280" y="1845734"/>
-            <a:ext cx="4004963" cy="4585888"/>
-          </a:xfrm>
-        </p:spPr>
-        <p:txBody>
-          <a:bodyPr>
-            <a:normAutofit lnSpcReduction="10000"/>
-          </a:bodyPr>
-          <a:lstStyle/>
-          <a:p>
-            <a:pPr>
-              <a:buFont typeface="Wingdings" panose="05000000000000000000" pitchFamily="2" charset="2"/>
-              <a:buChar char="§"/>
-            </a:pPr>
-            <a:r>
-              <a:rPr lang="en-US" sz="2400" dirty="0"/>
-              <a:t> Iterative implementation device utilization doesn’t increase much with N</a:t>
-            </a:r>
-          </a:p>
-          <a:p>
-            <a:pPr lvl="1">
-              <a:buFont typeface="Wingdings" panose="05000000000000000000" pitchFamily="2" charset="2"/>
-              <a:buChar char="§"/>
-            </a:pPr>
-            <a:r>
-              <a:rPr lang="en-US" sz="2200" dirty="0"/>
-              <a:t>Will require N clock cycles to compute though</a:t>
-            </a:r>
-          </a:p>
-          <a:p>
-            <a:pPr lvl="1">
-              <a:buFont typeface="Wingdings" panose="05000000000000000000" pitchFamily="2" charset="2"/>
-              <a:buChar char="§"/>
-            </a:pPr>
-            <a:r>
-              <a:rPr lang="en-US" sz="2200" dirty="0"/>
-              <a:t>Good for high accuracy, low speed</a:t>
-            </a:r>
-          </a:p>
-          <a:p>
-            <a:pPr>
-              <a:buFont typeface="Wingdings" panose="05000000000000000000" pitchFamily="2" charset="2"/>
-              <a:buChar char="§"/>
-            </a:pPr>
-            <a:r>
-              <a:rPr lang="en-US" sz="2400" dirty="0"/>
-              <a:t> Pipelined device utilization increases with N</a:t>
-            </a:r>
-          </a:p>
-          <a:p>
-            <a:pPr lvl="1">
-              <a:buFont typeface="Wingdings" panose="05000000000000000000" pitchFamily="2" charset="2"/>
-              <a:buChar char="§"/>
-            </a:pPr>
-            <a:r>
-              <a:rPr lang="en-US" sz="2200" dirty="0"/>
-              <a:t>Need to add hardware for each new pipeline stage</a:t>
-            </a:r>
-          </a:p>
-          <a:p>
-            <a:pPr lvl="1">
-              <a:buFont typeface="Wingdings" panose="05000000000000000000" pitchFamily="2" charset="2"/>
-              <a:buChar char="§"/>
-            </a:pPr>
-            <a:r>
-              <a:rPr lang="en-US" sz="2200" dirty="0"/>
-              <a:t>Good for high speed, high accuracy</a:t>
-            </a:r>
-          </a:p>
-        </p:txBody>
-      </p:sp>
-      <p:pic>
-        <p:nvPicPr>
-          <p:cNvPr id="5" name="Picture 4">
-            <a:extLst>
-              <a:ext uri="{FF2B5EF4-FFF2-40B4-BE49-F238E27FC236}">
-                <a16:creationId xmlns:a16="http://schemas.microsoft.com/office/drawing/2014/main" id="{ADF2D50B-E4F0-CFB4-F97D-0445A33511A6}"/>
-              </a:ext>
-            </a:extLst>
-          </p:cNvPr>
-          <p:cNvPicPr>
-            <a:picLocks noChangeAspect="1"/>
-          </p:cNvPicPr>
-          <p:nvPr/>
-        </p:nvPicPr>
-        <p:blipFill>
-          <a:blip r:embed="rId2"/>
-          <a:stretch>
-            <a:fillRect/>
-          </a:stretch>
-        </p:blipFill>
-        <p:spPr>
-          <a:xfrm>
-            <a:off x="5102243" y="1981819"/>
-            <a:ext cx="6423466" cy="3751190"/>
-          </a:xfrm>
-          <a:prstGeom prst="rect">
-            <a:avLst/>
-          </a:prstGeom>
-        </p:spPr>
-      </p:pic>
-    </p:spTree>
-    <p:extLst>
-      <p:ext uri="{BB962C8B-B14F-4D97-AF65-F5344CB8AC3E}">
-        <p14:creationId xmlns:p14="http://schemas.microsoft.com/office/powerpoint/2010/main" val="2483687155"/>
       </p:ext>
     </p:extLst>
   </p:cSld>
